--- a/docs/UI.pptx
+++ b/docs/UI.pptx
@@ -4612,13 +4612,6 @@
               </a:rPr>
               <a:t>Progress/Deadline</a:t>
             </a:r>
-            <a:endParaRPr lang="en-US" sz="1400" dirty="0">
-              <a:solidFill>
-                <a:schemeClr val="bg2">
-                  <a:lumMod val="50000"/>
-                </a:schemeClr>
-              </a:solidFill>
-            </a:endParaRPr>
           </a:p>
         </p:txBody>
       </p:sp>
@@ -8013,7 +8006,7 @@
                   </a:schemeClr>
                 </a:solidFill>
               </a:rPr>
-              <a:t>2/2</a:t>
+              <a:t>4/4</a:t>
             </a:r>
             <a:endParaRPr lang="en-US" sz="1400" dirty="0">
               <a:solidFill>

--- a/docs/UI.pptx
+++ b/docs/UI.pptx
@@ -5,12 +5,13 @@
     <p:sldMasterId id="2147483648" r:id="rId1"/>
   </p:sldMasterIdLst>
   <p:notesMasterIdLst>
-    <p:notesMasterId r:id="rId5"/>
+    <p:notesMasterId r:id="rId6"/>
   </p:notesMasterIdLst>
   <p:sldIdLst>
     <p:sldId id="256" r:id="rId2"/>
     <p:sldId id="257" r:id="rId3"/>
     <p:sldId id="258" r:id="rId4"/>
+    <p:sldId id="259" r:id="rId5"/>
   </p:sldIdLst>
   <p:sldSz cx="12192000" cy="6858000"/>
   <p:notesSz cx="6858000" cy="9144000"/>
@@ -199,7 +200,7 @@
           <a:p>
             <a:fld id="{758C80F7-3C7F-3D48-A542-EC48892A3346}" type="datetimeFigureOut">
               <a:rPr lang="en-US" smtClean="0"/>
-              <a:t>7/17/17</a:t>
+              <a:t>7/26/17</a:t>
             </a:fld>
             <a:endParaRPr lang="en-US"/>
           </a:p>
@@ -555,6 +556,94 @@
 </p:notes>
 </file>
 
+<file path=ppt/notesSlides/notesSlide2.xml><?xml version="1.0" encoding="utf-8"?>
+<p:notes xmlns:a="http://schemas.openxmlformats.org/drawingml/2006/main" xmlns:r="http://schemas.openxmlformats.org/officeDocument/2006/relationships" xmlns:p="http://schemas.openxmlformats.org/presentationml/2006/main">
+  <p:cSld>
+    <p:spTree>
+      <p:nvGrpSpPr>
+        <p:cNvPr id="1" name=""/>
+        <p:cNvGrpSpPr/>
+        <p:nvPr/>
+      </p:nvGrpSpPr>
+      <p:grpSpPr>
+        <a:xfrm>
+          <a:off x="0" y="0"/>
+          <a:ext cx="0" cy="0"/>
+          <a:chOff x="0" y="0"/>
+          <a:chExt cx="0" cy="0"/>
+        </a:xfrm>
+      </p:grpSpPr>
+      <p:sp>
+        <p:nvSpPr>
+          <p:cNvPr id="2" name="Slide Image Placeholder 1"/>
+          <p:cNvSpPr>
+            <a:spLocks noGrp="1" noRot="1" noChangeAspect="1"/>
+          </p:cNvSpPr>
+          <p:nvPr>
+            <p:ph type="sldImg"/>
+          </p:nvPr>
+        </p:nvSpPr>
+        <p:spPr/>
+      </p:sp>
+      <p:sp>
+        <p:nvSpPr>
+          <p:cNvPr id="3" name="Notes Placeholder 2"/>
+          <p:cNvSpPr>
+            <a:spLocks noGrp="1"/>
+          </p:cNvSpPr>
+          <p:nvPr>
+            <p:ph type="body" idx="1"/>
+          </p:nvPr>
+        </p:nvSpPr>
+        <p:spPr/>
+        <p:txBody>
+          <a:bodyPr/>
+          <a:lstStyle/>
+          <a:p>
+            <a:r>
+              <a:rPr lang="en-US" dirty="0" smtClean="0"/>
+              <a:t>	</a:t>
+            </a:r>
+            <a:endParaRPr lang="en-US" dirty="0"/>
+          </a:p>
+        </p:txBody>
+      </p:sp>
+      <p:sp>
+        <p:nvSpPr>
+          <p:cNvPr id="4" name="Slide Number Placeholder 3"/>
+          <p:cNvSpPr>
+            <a:spLocks noGrp="1"/>
+          </p:cNvSpPr>
+          <p:nvPr>
+            <p:ph type="sldNum" sz="quarter" idx="10"/>
+          </p:nvPr>
+        </p:nvSpPr>
+        <p:spPr/>
+        <p:txBody>
+          <a:bodyPr/>
+          <a:lstStyle/>
+          <a:p>
+            <a:fld id="{71408319-6A96-D045-973A-B5748A48429D}" type="slidenum">
+              <a:rPr lang="en-US" smtClean="0"/>
+              <a:t>4</a:t>
+            </a:fld>
+            <a:endParaRPr lang="en-US"/>
+          </a:p>
+        </p:txBody>
+      </p:sp>
+    </p:spTree>
+    <p:extLst>
+      <p:ext uri="{BB962C8B-B14F-4D97-AF65-F5344CB8AC3E}">
+        <p14:creationId xmlns:p14="http://schemas.microsoft.com/office/powerpoint/2010/main" val="2009238149"/>
+      </p:ext>
+    </p:extLst>
+  </p:cSld>
+  <p:clrMapOvr>
+    <a:masterClrMapping/>
+  </p:clrMapOvr>
+</p:notes>
+</file>
+
 <file path=ppt/slideLayouts/slideLayout1.xml><?xml version="1.0" encoding="utf-8"?>
 <p:sldLayout xmlns:a="http://schemas.openxmlformats.org/drawingml/2006/main" xmlns:r="http://schemas.openxmlformats.org/officeDocument/2006/relationships" xmlns:p="http://schemas.openxmlformats.org/presentationml/2006/main" type="title" preserve="1">
   <p:cSld name="Title Slide">
@@ -686,7 +775,7 @@
           <a:p>
             <a:fld id="{2B0F841C-46D8-3A4B-9C33-4867C5747944}" type="datetimeFigureOut">
               <a:rPr lang="en-US" smtClean="0"/>
-              <a:t>7/17/17</a:t>
+              <a:t>7/26/17</a:t>
             </a:fld>
             <a:endParaRPr lang="en-US"/>
           </a:p>
@@ -856,7 +945,7 @@
           <a:p>
             <a:fld id="{2B0F841C-46D8-3A4B-9C33-4867C5747944}" type="datetimeFigureOut">
               <a:rPr lang="en-US" smtClean="0"/>
-              <a:t>7/17/17</a:t>
+              <a:t>7/26/17</a:t>
             </a:fld>
             <a:endParaRPr lang="en-US"/>
           </a:p>
@@ -1036,7 +1125,7 @@
           <a:p>
             <a:fld id="{2B0F841C-46D8-3A4B-9C33-4867C5747944}" type="datetimeFigureOut">
               <a:rPr lang="en-US" smtClean="0"/>
-              <a:t>7/17/17</a:t>
+              <a:t>7/26/17</a:t>
             </a:fld>
             <a:endParaRPr lang="en-US"/>
           </a:p>
@@ -1206,7 +1295,7 @@
           <a:p>
             <a:fld id="{2B0F841C-46D8-3A4B-9C33-4867C5747944}" type="datetimeFigureOut">
               <a:rPr lang="en-US" smtClean="0"/>
-              <a:t>7/17/17</a:t>
+              <a:t>7/26/17</a:t>
             </a:fld>
             <a:endParaRPr lang="en-US"/>
           </a:p>
@@ -1452,7 +1541,7 @@
           <a:p>
             <a:fld id="{2B0F841C-46D8-3A4B-9C33-4867C5747944}" type="datetimeFigureOut">
               <a:rPr lang="en-US" smtClean="0"/>
-              <a:t>7/17/17</a:t>
+              <a:t>7/26/17</a:t>
             </a:fld>
             <a:endParaRPr lang="en-US"/>
           </a:p>
@@ -1684,7 +1773,7 @@
           <a:p>
             <a:fld id="{2B0F841C-46D8-3A4B-9C33-4867C5747944}" type="datetimeFigureOut">
               <a:rPr lang="en-US" smtClean="0"/>
-              <a:t>7/17/17</a:t>
+              <a:t>7/26/17</a:t>
             </a:fld>
             <a:endParaRPr lang="en-US"/>
           </a:p>
@@ -2051,7 +2140,7 @@
           <a:p>
             <a:fld id="{2B0F841C-46D8-3A4B-9C33-4867C5747944}" type="datetimeFigureOut">
               <a:rPr lang="en-US" smtClean="0"/>
-              <a:t>7/17/17</a:t>
+              <a:t>7/26/17</a:t>
             </a:fld>
             <a:endParaRPr lang="en-US"/>
           </a:p>
@@ -2169,7 +2258,7 @@
           <a:p>
             <a:fld id="{2B0F841C-46D8-3A4B-9C33-4867C5747944}" type="datetimeFigureOut">
               <a:rPr lang="en-US" smtClean="0"/>
-              <a:t>7/17/17</a:t>
+              <a:t>7/26/17</a:t>
             </a:fld>
             <a:endParaRPr lang="en-US"/>
           </a:p>
@@ -2264,7 +2353,7 @@
           <a:p>
             <a:fld id="{2B0F841C-46D8-3A4B-9C33-4867C5747944}" type="datetimeFigureOut">
               <a:rPr lang="en-US" smtClean="0"/>
-              <a:t>7/17/17</a:t>
+              <a:t>7/26/17</a:t>
             </a:fld>
             <a:endParaRPr lang="en-US"/>
           </a:p>
@@ -2541,7 +2630,7 @@
           <a:p>
             <a:fld id="{2B0F841C-46D8-3A4B-9C33-4867C5747944}" type="datetimeFigureOut">
               <a:rPr lang="en-US" smtClean="0"/>
-              <a:t>7/17/17</a:t>
+              <a:t>7/26/17</a:t>
             </a:fld>
             <a:endParaRPr lang="en-US"/>
           </a:p>
@@ -2794,7 +2883,7 @@
           <a:p>
             <a:fld id="{2B0F841C-46D8-3A4B-9C33-4867C5747944}" type="datetimeFigureOut">
               <a:rPr lang="en-US" smtClean="0"/>
-              <a:t>7/17/17</a:t>
+              <a:t>7/26/17</a:t>
             </a:fld>
             <a:endParaRPr lang="en-US"/>
           </a:p>
@@ -3007,7 +3096,7 @@
           <a:p>
             <a:fld id="{2B0F841C-46D8-3A4B-9C33-4867C5747944}" type="datetimeFigureOut">
               <a:rPr lang="en-US" smtClean="0"/>
-              <a:t>7/17/17</a:t>
+              <a:t>7/26/17</a:t>
             </a:fld>
             <a:endParaRPr lang="en-US"/>
           </a:p>
@@ -3869,6 +3958,13 @@
   <p:clrMapOvr>
     <a:masterClrMapping/>
   </p:clrMapOvr>
+  <p:timing>
+    <p:tnLst>
+      <p:par>
+        <p:cTn id="1" dur="indefinite" restart="never" nodeType="tmRoot"/>
+      </p:par>
+    </p:tnLst>
+  </p:timing>
 </p:sld>
 </file>
 
@@ -5391,6 +5487,13 @@
   <p:clrMapOvr>
     <a:masterClrMapping/>
   </p:clrMapOvr>
+  <p:timing>
+    <p:tnLst>
+      <p:par>
+        <p:cTn id="1" dur="indefinite" restart="never" nodeType="tmRoot"/>
+      </p:par>
+    </p:tnLst>
+  </p:timing>
 </p:sld>
 </file>
 
@@ -9678,6 +9781,1368 @@
   <p:clrMapOvr>
     <a:masterClrMapping/>
   </p:clrMapOvr>
+  <p:timing>
+    <p:tnLst>
+      <p:par>
+        <p:cTn id="1" dur="indefinite" restart="never" nodeType="tmRoot"/>
+      </p:par>
+    </p:tnLst>
+  </p:timing>
+</p:sld>
+</file>
+
+<file path=ppt/slides/slide4.xml><?xml version="1.0" encoding="utf-8"?>
+<p:sld xmlns:a="http://schemas.openxmlformats.org/drawingml/2006/main" xmlns:r="http://schemas.openxmlformats.org/officeDocument/2006/relationships" xmlns:p="http://schemas.openxmlformats.org/presentationml/2006/main">
+  <p:cSld>
+    <p:spTree>
+      <p:nvGrpSpPr>
+        <p:cNvPr id="1" name=""/>
+        <p:cNvGrpSpPr/>
+        <p:nvPr/>
+      </p:nvGrpSpPr>
+      <p:grpSpPr>
+        <a:xfrm>
+          <a:off x="0" y="0"/>
+          <a:ext cx="0" cy="0"/>
+          <a:chOff x="0" y="0"/>
+          <a:chExt cx="0" cy="0"/>
+        </a:xfrm>
+      </p:grpSpPr>
+      <p:sp>
+        <p:nvSpPr>
+          <p:cNvPr id="49" name="Rounded Rectangle 48"/>
+          <p:cNvSpPr/>
+          <p:nvPr/>
+        </p:nvSpPr>
+        <p:spPr>
+          <a:xfrm>
+            <a:off x="838200" y="1817509"/>
+            <a:ext cx="11117580" cy="959981"/>
+          </a:xfrm>
+          <a:prstGeom prst="roundRect">
+            <a:avLst>
+              <a:gd name="adj" fmla="val 0"/>
+            </a:avLst>
+          </a:prstGeom>
+          <a:noFill/>
+          <a:ln>
+            <a:solidFill>
+              <a:schemeClr val="bg2"/>
+            </a:solidFill>
+          </a:ln>
+        </p:spPr>
+        <p:style>
+          <a:lnRef idx="2">
+            <a:schemeClr val="accent1">
+              <a:shade val="50000"/>
+            </a:schemeClr>
+          </a:lnRef>
+          <a:fillRef idx="1">
+            <a:schemeClr val="accent1"/>
+          </a:fillRef>
+          <a:effectRef idx="0">
+            <a:schemeClr val="accent1"/>
+          </a:effectRef>
+          <a:fontRef idx="minor">
+            <a:schemeClr val="lt1"/>
+          </a:fontRef>
+        </p:style>
+        <p:txBody>
+          <a:bodyPr rtlCol="0" anchor="ctr"/>
+          <a:lstStyle/>
+          <a:p>
+            <a:pPr algn="ctr"/>
+            <a:endParaRPr lang="en-US" sz="1050"/>
+          </a:p>
+        </p:txBody>
+      </p:sp>
+      <p:cxnSp>
+        <p:nvCxnSpPr>
+          <p:cNvPr id="5" name="Straight Connector 4"/>
+          <p:cNvCxnSpPr/>
+          <p:nvPr/>
+        </p:nvCxnSpPr>
+        <p:spPr>
+          <a:xfrm>
+            <a:off x="-1154" y="582930"/>
+            <a:ext cx="12192000" cy="0"/>
+          </a:xfrm>
+          <a:prstGeom prst="line">
+            <a:avLst/>
+          </a:prstGeom>
+        </p:spPr>
+        <p:style>
+          <a:lnRef idx="2">
+            <a:schemeClr val="accent3"/>
+          </a:lnRef>
+          <a:fillRef idx="0">
+            <a:schemeClr val="accent3"/>
+          </a:fillRef>
+          <a:effectRef idx="1">
+            <a:schemeClr val="accent3"/>
+          </a:effectRef>
+          <a:fontRef idx="minor">
+            <a:schemeClr val="tx1"/>
+          </a:fontRef>
+        </p:style>
+      </p:cxnSp>
+      <p:sp>
+        <p:nvSpPr>
+          <p:cNvPr id="20" name="TextBox 19"/>
+          <p:cNvSpPr txBox="1"/>
+          <p:nvPr/>
+        </p:nvSpPr>
+        <p:spPr>
+          <a:xfrm>
+            <a:off x="4522782" y="108943"/>
+            <a:ext cx="1345946" cy="369332"/>
+          </a:xfrm>
+          <a:prstGeom prst="rect">
+            <a:avLst/>
+          </a:prstGeom>
+          <a:noFill/>
+        </p:spPr>
+        <p:txBody>
+          <a:bodyPr wrap="none" rtlCol="0">
+            <a:spAutoFit/>
+          </a:bodyPr>
+          <a:lstStyle/>
+          <a:p>
+            <a:r>
+              <a:rPr lang="en-US" dirty="0" smtClean="0">
+                <a:solidFill>
+                  <a:schemeClr val="tx1">
+                    <a:lumMod val="50000"/>
+                    <a:lumOff val="50000"/>
+                  </a:schemeClr>
+                </a:solidFill>
+              </a:rPr>
+              <a:t>2017-07 PTF</a:t>
+            </a:r>
+            <a:endParaRPr lang="en-US" dirty="0">
+              <a:solidFill>
+                <a:schemeClr val="tx1">
+                  <a:lumMod val="50000"/>
+                  <a:lumOff val="50000"/>
+                </a:schemeClr>
+              </a:solidFill>
+            </a:endParaRPr>
+          </a:p>
+        </p:txBody>
+      </p:sp>
+      <p:sp>
+        <p:nvSpPr>
+          <p:cNvPr id="17" name="TextBox 16"/>
+          <p:cNvSpPr txBox="1"/>
+          <p:nvPr/>
+        </p:nvSpPr>
+        <p:spPr>
+          <a:xfrm>
+            <a:off x="281466" y="108271"/>
+            <a:ext cx="2187843" cy="369332"/>
+          </a:xfrm>
+          <a:prstGeom prst="rect">
+            <a:avLst/>
+          </a:prstGeom>
+          <a:noFill/>
+        </p:spPr>
+        <p:txBody>
+          <a:bodyPr wrap="none" rtlCol="0">
+            <a:spAutoFit/>
+          </a:bodyPr>
+          <a:lstStyle/>
+          <a:p>
+            <a:r>
+              <a:rPr lang="en-US" smtClean="0">
+                <a:solidFill>
+                  <a:schemeClr val="accent1"/>
+                </a:solidFill>
+              </a:rPr>
+              <a:t>January’s Resolutions</a:t>
+            </a:r>
+            <a:endParaRPr lang="en-US" dirty="0">
+              <a:solidFill>
+                <a:schemeClr val="accent1"/>
+              </a:solidFill>
+            </a:endParaRPr>
+          </a:p>
+        </p:txBody>
+      </p:sp>
+      <p:sp>
+        <p:nvSpPr>
+          <p:cNvPr id="4" name="TextBox 3"/>
+          <p:cNvSpPr txBox="1"/>
+          <p:nvPr/>
+        </p:nvSpPr>
+        <p:spPr>
+          <a:xfrm flipH="1" flipV="1">
+            <a:off x="5831151" y="2998232"/>
+            <a:ext cx="981129" cy="247888"/>
+          </a:xfrm>
+          <a:prstGeom prst="rect">
+            <a:avLst/>
+          </a:prstGeom>
+          <a:noFill/>
+        </p:spPr>
+        <p:txBody>
+          <a:bodyPr wrap="square" rtlCol="0">
+            <a:spAutoFit/>
+          </a:bodyPr>
+          <a:lstStyle/>
+          <a:p>
+            <a:endParaRPr lang="en-US"/>
+          </a:p>
+        </p:txBody>
+      </p:sp>
+      <p:sp>
+        <p:nvSpPr>
+          <p:cNvPr id="22" name="TextBox 21"/>
+          <p:cNvSpPr txBox="1"/>
+          <p:nvPr/>
+        </p:nvSpPr>
+        <p:spPr>
+          <a:xfrm>
+            <a:off x="897255" y="697230"/>
+            <a:ext cx="1034415" cy="523220"/>
+          </a:xfrm>
+          <a:prstGeom prst="rect">
+            <a:avLst/>
+          </a:prstGeom>
+          <a:noFill/>
+        </p:spPr>
+        <p:txBody>
+          <a:bodyPr wrap="square" rtlCol="0">
+            <a:spAutoFit/>
+          </a:bodyPr>
+          <a:lstStyle/>
+          <a:p>
+            <a:r>
+              <a:rPr lang="en-US" sz="1400" smtClean="0">
+                <a:solidFill>
+                  <a:schemeClr val="bg2">
+                    <a:lumMod val="50000"/>
+                  </a:schemeClr>
+                </a:solidFill>
+              </a:rPr>
+              <a:t>Clear my closets</a:t>
+            </a:r>
+            <a:endParaRPr lang="en-US" sz="1400" dirty="0">
+              <a:solidFill>
+                <a:schemeClr val="bg2">
+                  <a:lumMod val="50000"/>
+                </a:schemeClr>
+              </a:solidFill>
+            </a:endParaRPr>
+          </a:p>
+        </p:txBody>
+      </p:sp>
+      <p:sp>
+        <p:nvSpPr>
+          <p:cNvPr id="27" name="TextBox 26"/>
+          <p:cNvSpPr txBox="1"/>
+          <p:nvPr/>
+        </p:nvSpPr>
+        <p:spPr>
+          <a:xfrm>
+            <a:off x="5410221" y="697230"/>
+            <a:ext cx="841859" cy="738664"/>
+          </a:xfrm>
+          <a:prstGeom prst="rect">
+            <a:avLst/>
+          </a:prstGeom>
+          <a:noFill/>
+        </p:spPr>
+        <p:txBody>
+          <a:bodyPr wrap="square" rtlCol="0">
+            <a:spAutoFit/>
+          </a:bodyPr>
+          <a:lstStyle/>
+          <a:p>
+            <a:r>
+              <a:rPr lang="en-US" sz="1400" dirty="0" smtClean="0">
+                <a:solidFill>
+                  <a:schemeClr val="bg2">
+                    <a:lumMod val="50000"/>
+                  </a:schemeClr>
+                </a:solidFill>
+              </a:rPr>
+              <a:t>Restore, </a:t>
+            </a:r>
+            <a:r>
+              <a:rPr lang="en-US" sz="1400" smtClean="0">
+                <a:solidFill>
+                  <a:schemeClr val="bg2">
+                    <a:lumMod val="50000"/>
+                  </a:schemeClr>
+                </a:solidFill>
+              </a:rPr>
+              <a:t>Maintain Organize</a:t>
+            </a:r>
+            <a:endParaRPr lang="en-US" sz="1400" dirty="0">
+              <a:solidFill>
+                <a:schemeClr val="bg2">
+                  <a:lumMod val="50000"/>
+                </a:schemeClr>
+              </a:solidFill>
+            </a:endParaRPr>
+          </a:p>
+        </p:txBody>
+      </p:sp>
+      <p:sp>
+        <p:nvSpPr>
+          <p:cNvPr id="29" name="TextBox 28"/>
+          <p:cNvSpPr txBox="1"/>
+          <p:nvPr/>
+        </p:nvSpPr>
+        <p:spPr>
+          <a:xfrm>
+            <a:off x="2332230" y="697230"/>
+            <a:ext cx="1268220" cy="523220"/>
+          </a:xfrm>
+          <a:prstGeom prst="rect">
+            <a:avLst/>
+          </a:prstGeom>
+          <a:noFill/>
+        </p:spPr>
+        <p:txBody>
+          <a:bodyPr wrap="square" rtlCol="0">
+            <a:spAutoFit/>
+          </a:bodyPr>
+          <a:lstStyle/>
+          <a:p>
+            <a:r>
+              <a:rPr lang="en-US" sz="1400" dirty="0" smtClean="0">
+                <a:solidFill>
+                  <a:schemeClr val="bg2">
+                    <a:lumMod val="50000"/>
+                  </a:schemeClr>
+                </a:solidFill>
+              </a:rPr>
+              <a:t>Tackle a </a:t>
+            </a:r>
+            <a:r>
+              <a:rPr lang="en-US" sz="1400" smtClean="0">
+                <a:solidFill>
+                  <a:schemeClr val="bg2">
+                    <a:lumMod val="50000"/>
+                  </a:schemeClr>
+                </a:solidFill>
+              </a:rPr>
+              <a:t>nagging task</a:t>
+            </a:r>
+            <a:endParaRPr lang="en-US" sz="1400" dirty="0">
+              <a:solidFill>
+                <a:schemeClr val="bg2">
+                  <a:lumMod val="50000"/>
+                </a:schemeClr>
+              </a:solidFill>
+            </a:endParaRPr>
+          </a:p>
+        </p:txBody>
+      </p:sp>
+      <p:sp>
+        <p:nvSpPr>
+          <p:cNvPr id="31" name="TextBox 30"/>
+          <p:cNvSpPr txBox="1"/>
+          <p:nvPr/>
+        </p:nvSpPr>
+        <p:spPr>
+          <a:xfrm>
+            <a:off x="9451039" y="697230"/>
+            <a:ext cx="1045597" cy="738664"/>
+          </a:xfrm>
+          <a:prstGeom prst="rect">
+            <a:avLst/>
+          </a:prstGeom>
+          <a:noFill/>
+        </p:spPr>
+        <p:txBody>
+          <a:bodyPr wrap="square" rtlCol="0">
+            <a:spAutoFit/>
+          </a:bodyPr>
+          <a:lstStyle/>
+          <a:p>
+            <a:r>
+              <a:rPr lang="en-US" sz="1400" smtClean="0">
+                <a:solidFill>
+                  <a:schemeClr val="bg2">
+                    <a:lumMod val="50000"/>
+                  </a:schemeClr>
+                </a:solidFill>
+              </a:rPr>
+              <a:t>Follow the one minute rule</a:t>
+            </a:r>
+            <a:endParaRPr lang="en-US" sz="1400" dirty="0">
+              <a:solidFill>
+                <a:schemeClr val="bg2">
+                  <a:lumMod val="50000"/>
+                </a:schemeClr>
+              </a:solidFill>
+            </a:endParaRPr>
+          </a:p>
+        </p:txBody>
+      </p:sp>
+      <p:sp>
+        <p:nvSpPr>
+          <p:cNvPr id="41" name="TextBox 40"/>
+          <p:cNvSpPr txBox="1"/>
+          <p:nvPr/>
+        </p:nvSpPr>
+        <p:spPr>
+          <a:xfrm>
+            <a:off x="897255" y="1823626"/>
+            <a:ext cx="1172116" cy="307777"/>
+          </a:xfrm>
+          <a:prstGeom prst="rect">
+            <a:avLst/>
+          </a:prstGeom>
+          <a:noFill/>
+        </p:spPr>
+        <p:txBody>
+          <a:bodyPr wrap="none" rtlCol="0">
+            <a:spAutoFit/>
+          </a:bodyPr>
+          <a:lstStyle/>
+          <a:p>
+            <a:r>
+              <a:rPr lang="en-US" altLang="ja-JP" sz="1400" dirty="0" smtClean="0">
+                <a:solidFill>
+                  <a:schemeClr val="bg2">
+                    <a:lumMod val="50000"/>
+                  </a:schemeClr>
+                </a:solidFill>
+              </a:rPr>
+              <a:t>Study </a:t>
+            </a:r>
+            <a:r>
+              <a:rPr lang="en-US" altLang="ja-JP" sz="1400" dirty="0" err="1" smtClean="0">
+                <a:solidFill>
+                  <a:schemeClr val="bg2">
+                    <a:lumMod val="50000"/>
+                  </a:schemeClr>
+                </a:solidFill>
+              </a:rPr>
+              <a:t>NodeJS</a:t>
+            </a:r>
+            <a:endParaRPr lang="en-US" sz="1400" dirty="0">
+              <a:solidFill>
+                <a:schemeClr val="bg2">
+                  <a:lumMod val="50000"/>
+                </a:schemeClr>
+              </a:solidFill>
+            </a:endParaRPr>
+          </a:p>
+        </p:txBody>
+      </p:sp>
+      <p:sp>
+        <p:nvSpPr>
+          <p:cNvPr id="44" name="TextBox 43"/>
+          <p:cNvSpPr txBox="1"/>
+          <p:nvPr/>
+        </p:nvSpPr>
+        <p:spPr>
+          <a:xfrm>
+            <a:off x="5808481" y="1823626"/>
+            <a:ext cx="1240019" cy="307777"/>
+          </a:xfrm>
+          <a:prstGeom prst="rect">
+            <a:avLst/>
+          </a:prstGeom>
+          <a:noFill/>
+        </p:spPr>
+        <p:txBody>
+          <a:bodyPr wrap="none" rtlCol="0">
+            <a:spAutoFit/>
+          </a:bodyPr>
+          <a:lstStyle/>
+          <a:p>
+            <a:r>
+              <a:rPr lang="en-US" sz="1400" smtClean="0">
+                <a:solidFill>
+                  <a:schemeClr val="bg2">
+                    <a:lumMod val="50000"/>
+                  </a:schemeClr>
+                </a:solidFill>
+              </a:rPr>
+              <a:t>Tomohiro Sato</a:t>
+            </a:r>
+            <a:endParaRPr lang="en-US" sz="1400" dirty="0">
+              <a:solidFill>
+                <a:schemeClr val="bg2">
+                  <a:lumMod val="50000"/>
+                </a:schemeClr>
+              </a:solidFill>
+            </a:endParaRPr>
+          </a:p>
+        </p:txBody>
+      </p:sp>
+      <p:sp>
+        <p:nvSpPr>
+          <p:cNvPr id="50" name="TextBox 49"/>
+          <p:cNvSpPr txBox="1"/>
+          <p:nvPr/>
+        </p:nvSpPr>
+        <p:spPr>
+          <a:xfrm>
+            <a:off x="10998988" y="1820764"/>
+            <a:ext cx="518091" cy="307777"/>
+          </a:xfrm>
+          <a:prstGeom prst="rect">
+            <a:avLst/>
+          </a:prstGeom>
+          <a:noFill/>
+        </p:spPr>
+        <p:txBody>
+          <a:bodyPr wrap="none" rtlCol="0">
+            <a:spAutoFit/>
+          </a:bodyPr>
+          <a:lstStyle/>
+          <a:p>
+            <a:r>
+              <a:rPr lang="en-US" sz="1400" smtClean="0">
+                <a:solidFill>
+                  <a:schemeClr val="bg2">
+                    <a:lumMod val="50000"/>
+                  </a:schemeClr>
+                </a:solidFill>
+              </a:rPr>
+              <a:t>High</a:t>
+            </a:r>
+            <a:endParaRPr lang="en-US" sz="1400" dirty="0">
+              <a:solidFill>
+                <a:schemeClr val="bg2">
+                  <a:lumMod val="50000"/>
+                </a:schemeClr>
+              </a:solidFill>
+            </a:endParaRPr>
+          </a:p>
+        </p:txBody>
+      </p:sp>
+      <p:sp>
+        <p:nvSpPr>
+          <p:cNvPr id="51" name="TextBox 50"/>
+          <p:cNvSpPr txBox="1"/>
+          <p:nvPr/>
+        </p:nvSpPr>
+        <p:spPr>
+          <a:xfrm>
+            <a:off x="3909384" y="697230"/>
+            <a:ext cx="1010711" cy="523220"/>
+          </a:xfrm>
+          <a:prstGeom prst="rect">
+            <a:avLst/>
+          </a:prstGeom>
+          <a:noFill/>
+        </p:spPr>
+        <p:txBody>
+          <a:bodyPr wrap="square" rtlCol="0">
+            <a:spAutoFit/>
+          </a:bodyPr>
+          <a:lstStyle/>
+          <a:p>
+            <a:r>
+              <a:rPr lang="en-US" altLang="ja-JP" sz="1400" smtClean="0">
+                <a:solidFill>
+                  <a:schemeClr val="bg2">
+                    <a:lumMod val="50000"/>
+                  </a:schemeClr>
+                </a:solidFill>
+              </a:rPr>
+              <a:t>Keep a food diary</a:t>
+            </a:r>
+            <a:endParaRPr lang="en-US" sz="1400" dirty="0">
+              <a:solidFill>
+                <a:schemeClr val="bg2">
+                  <a:lumMod val="50000"/>
+                </a:schemeClr>
+              </a:solidFill>
+            </a:endParaRPr>
+          </a:p>
+        </p:txBody>
+      </p:sp>
+      <p:sp>
+        <p:nvSpPr>
+          <p:cNvPr id="53" name="TextBox 52"/>
+          <p:cNvSpPr txBox="1"/>
+          <p:nvPr/>
+        </p:nvSpPr>
+        <p:spPr>
+          <a:xfrm>
+            <a:off x="7300429" y="1816341"/>
+            <a:ext cx="436338" cy="307777"/>
+          </a:xfrm>
+          <a:prstGeom prst="rect">
+            <a:avLst/>
+          </a:prstGeom>
+          <a:noFill/>
+        </p:spPr>
+        <p:txBody>
+          <a:bodyPr wrap="none" rtlCol="0">
+            <a:spAutoFit/>
+          </a:bodyPr>
+          <a:lstStyle/>
+          <a:p>
+            <a:r>
+              <a:rPr lang="en-US" sz="1400" dirty="0" smtClean="0">
+                <a:solidFill>
+                  <a:schemeClr val="bg2">
+                    <a:lumMod val="50000"/>
+                  </a:schemeClr>
+                </a:solidFill>
+              </a:rPr>
+              <a:t>2/2</a:t>
+            </a:r>
+            <a:endParaRPr lang="en-US" sz="1400" dirty="0">
+              <a:solidFill>
+                <a:schemeClr val="bg2">
+                  <a:lumMod val="50000"/>
+                </a:schemeClr>
+              </a:solidFill>
+            </a:endParaRPr>
+          </a:p>
+        </p:txBody>
+      </p:sp>
+      <p:sp>
+        <p:nvSpPr>
+          <p:cNvPr id="45" name="TextBox 44"/>
+          <p:cNvSpPr txBox="1"/>
+          <p:nvPr/>
+        </p:nvSpPr>
+        <p:spPr>
+          <a:xfrm>
+            <a:off x="8061851" y="697230"/>
+            <a:ext cx="1064104" cy="523220"/>
+          </a:xfrm>
+          <a:prstGeom prst="rect">
+            <a:avLst/>
+          </a:prstGeom>
+          <a:noFill/>
+        </p:spPr>
+        <p:txBody>
+          <a:bodyPr wrap="square" rtlCol="0">
+            <a:spAutoFit/>
+          </a:bodyPr>
+          <a:lstStyle/>
+          <a:p>
+            <a:r>
+              <a:rPr lang="en-US" altLang="ja-JP" sz="1400" smtClean="0">
+                <a:solidFill>
+                  <a:schemeClr val="bg2">
+                    <a:lumMod val="50000"/>
+                  </a:schemeClr>
+                </a:solidFill>
+              </a:rPr>
+              <a:t>Identify the problem</a:t>
+            </a:r>
+            <a:endParaRPr lang="en-US" sz="1400" dirty="0">
+              <a:solidFill>
+                <a:schemeClr val="bg2">
+                  <a:lumMod val="50000"/>
+                </a:schemeClr>
+              </a:solidFill>
+            </a:endParaRPr>
+          </a:p>
+        </p:txBody>
+      </p:sp>
+      <p:cxnSp>
+        <p:nvCxnSpPr>
+          <p:cNvPr id="47" name="Straight Connector 46"/>
+          <p:cNvCxnSpPr/>
+          <p:nvPr/>
+        </p:nvCxnSpPr>
+        <p:spPr>
+          <a:xfrm>
+            <a:off x="838200" y="1816341"/>
+            <a:ext cx="11117580" cy="0"/>
+          </a:xfrm>
+          <a:prstGeom prst="line">
+            <a:avLst/>
+          </a:prstGeom>
+          <a:ln w="19050">
+            <a:solidFill>
+              <a:schemeClr val="accent6"/>
+            </a:solidFill>
+          </a:ln>
+        </p:spPr>
+        <p:style>
+          <a:lnRef idx="2">
+            <a:schemeClr val="accent3"/>
+          </a:lnRef>
+          <a:fillRef idx="0">
+            <a:schemeClr val="accent3"/>
+          </a:fillRef>
+          <a:effectRef idx="1">
+            <a:schemeClr val="accent3"/>
+          </a:effectRef>
+          <a:fontRef idx="minor">
+            <a:schemeClr val="tx1"/>
+          </a:fontRef>
+        </p:style>
+      </p:cxnSp>
+      <p:sp>
+        <p:nvSpPr>
+          <p:cNvPr id="48" name="TextBox 47"/>
+          <p:cNvSpPr txBox="1"/>
+          <p:nvPr/>
+        </p:nvSpPr>
+        <p:spPr>
+          <a:xfrm>
+            <a:off x="1090493" y="2158408"/>
+            <a:ext cx="3232295" cy="307777"/>
+          </a:xfrm>
+          <a:prstGeom prst="rect">
+            <a:avLst/>
+          </a:prstGeom>
+          <a:noFill/>
+        </p:spPr>
+        <p:txBody>
+          <a:bodyPr wrap="none" rtlCol="0">
+            <a:spAutoFit/>
+          </a:bodyPr>
+          <a:lstStyle/>
+          <a:p>
+            <a:r>
+              <a:rPr lang="en-US" sz="1400" dirty="0" smtClean="0">
+                <a:solidFill>
+                  <a:schemeClr val="bg2">
+                    <a:lumMod val="50000"/>
+                  </a:schemeClr>
+                </a:solidFill>
+              </a:rPr>
+              <a:t>- Find and buy a </a:t>
+            </a:r>
+            <a:r>
+              <a:rPr lang="en-US" sz="1400" dirty="0" err="1" smtClean="0">
+                <a:solidFill>
+                  <a:schemeClr val="bg2">
+                    <a:lumMod val="50000"/>
+                  </a:schemeClr>
+                </a:solidFill>
+              </a:rPr>
+              <a:t>NodeJS</a:t>
+            </a:r>
+            <a:r>
+              <a:rPr lang="en-US" sz="1400" dirty="0" smtClean="0">
+                <a:solidFill>
+                  <a:schemeClr val="bg2">
+                    <a:lumMod val="50000"/>
+                  </a:schemeClr>
+                </a:solidFill>
+              </a:rPr>
+              <a:t> course on </a:t>
+            </a:r>
+            <a:r>
+              <a:rPr lang="en-US" sz="1400" dirty="0" err="1" smtClean="0">
+                <a:solidFill>
+                  <a:schemeClr val="bg2">
+                    <a:lumMod val="50000"/>
+                  </a:schemeClr>
+                </a:solidFill>
+              </a:rPr>
+              <a:t>Udemy</a:t>
+            </a:r>
+            <a:endParaRPr lang="en-US" sz="1400" dirty="0">
+              <a:solidFill>
+                <a:schemeClr val="bg2">
+                  <a:lumMod val="50000"/>
+                </a:schemeClr>
+              </a:solidFill>
+            </a:endParaRPr>
+          </a:p>
+        </p:txBody>
+      </p:sp>
+      <p:sp>
+        <p:nvSpPr>
+          <p:cNvPr id="54" name="TextBox 53"/>
+          <p:cNvSpPr txBox="1"/>
+          <p:nvPr/>
+        </p:nvSpPr>
+        <p:spPr>
+          <a:xfrm>
+            <a:off x="1090493" y="2409780"/>
+            <a:ext cx="1387816" cy="307777"/>
+          </a:xfrm>
+          <a:prstGeom prst="rect">
+            <a:avLst/>
+          </a:prstGeom>
+          <a:noFill/>
+        </p:spPr>
+        <p:txBody>
+          <a:bodyPr wrap="none" rtlCol="0">
+            <a:spAutoFit/>
+          </a:bodyPr>
+          <a:lstStyle/>
+          <a:p>
+            <a:r>
+              <a:rPr lang="en-US" sz="1400" dirty="0" smtClean="0">
+                <a:solidFill>
+                  <a:schemeClr val="bg2">
+                    <a:lumMod val="50000"/>
+                  </a:schemeClr>
+                </a:solidFill>
+              </a:rPr>
+              <a:t>- Finish lecture 1</a:t>
+            </a:r>
+            <a:endParaRPr lang="en-US" sz="1400" dirty="0">
+              <a:solidFill>
+                <a:schemeClr val="bg2">
+                  <a:lumMod val="50000"/>
+                </a:schemeClr>
+              </a:solidFill>
+            </a:endParaRPr>
+          </a:p>
+        </p:txBody>
+      </p:sp>
+      <p:sp>
+        <p:nvSpPr>
+          <p:cNvPr id="56" name="TextBox 55"/>
+          <p:cNvSpPr txBox="1"/>
+          <p:nvPr/>
+        </p:nvSpPr>
+        <p:spPr>
+          <a:xfrm>
+            <a:off x="5816570" y="2158408"/>
+            <a:ext cx="1240019" cy="307777"/>
+          </a:xfrm>
+          <a:prstGeom prst="rect">
+            <a:avLst/>
+          </a:prstGeom>
+          <a:noFill/>
+        </p:spPr>
+        <p:txBody>
+          <a:bodyPr wrap="none" rtlCol="0">
+            <a:spAutoFit/>
+          </a:bodyPr>
+          <a:lstStyle/>
+          <a:p>
+            <a:r>
+              <a:rPr lang="en-US" sz="1400" smtClean="0">
+                <a:solidFill>
+                  <a:schemeClr val="bg2">
+                    <a:lumMod val="50000"/>
+                  </a:schemeClr>
+                </a:solidFill>
+              </a:rPr>
+              <a:t>Tomohiro Sato</a:t>
+            </a:r>
+            <a:endParaRPr lang="en-US" sz="1400" dirty="0">
+              <a:solidFill>
+                <a:schemeClr val="bg2">
+                  <a:lumMod val="50000"/>
+                </a:schemeClr>
+              </a:solidFill>
+            </a:endParaRPr>
+          </a:p>
+        </p:txBody>
+      </p:sp>
+      <p:sp>
+        <p:nvSpPr>
+          <p:cNvPr id="57" name="TextBox 56"/>
+          <p:cNvSpPr txBox="1"/>
+          <p:nvPr/>
+        </p:nvSpPr>
+        <p:spPr>
+          <a:xfrm>
+            <a:off x="5808481" y="2409780"/>
+            <a:ext cx="1240019" cy="307777"/>
+          </a:xfrm>
+          <a:prstGeom prst="rect">
+            <a:avLst/>
+          </a:prstGeom>
+          <a:noFill/>
+        </p:spPr>
+        <p:txBody>
+          <a:bodyPr wrap="none" rtlCol="0">
+            <a:spAutoFit/>
+          </a:bodyPr>
+          <a:lstStyle/>
+          <a:p>
+            <a:r>
+              <a:rPr lang="en-US" sz="1400" dirty="0" smtClean="0">
+                <a:solidFill>
+                  <a:schemeClr val="bg2">
+                    <a:lumMod val="50000"/>
+                  </a:schemeClr>
+                </a:solidFill>
+              </a:rPr>
+              <a:t>Tomohiro Sato</a:t>
+            </a:r>
+            <a:endParaRPr lang="en-US" sz="1400" dirty="0">
+              <a:solidFill>
+                <a:schemeClr val="bg2">
+                  <a:lumMod val="50000"/>
+                </a:schemeClr>
+              </a:solidFill>
+            </a:endParaRPr>
+          </a:p>
+        </p:txBody>
+      </p:sp>
+      <p:sp>
+        <p:nvSpPr>
+          <p:cNvPr id="81" name="TextBox 80"/>
+          <p:cNvSpPr txBox="1"/>
+          <p:nvPr/>
+        </p:nvSpPr>
+        <p:spPr>
+          <a:xfrm>
+            <a:off x="10998988" y="2141836"/>
+            <a:ext cx="482312" cy="307777"/>
+          </a:xfrm>
+          <a:prstGeom prst="rect">
+            <a:avLst/>
+          </a:prstGeom>
+          <a:noFill/>
+        </p:spPr>
+        <p:txBody>
+          <a:bodyPr wrap="none" rtlCol="0">
+            <a:spAutoFit/>
+          </a:bodyPr>
+          <a:lstStyle/>
+          <a:p>
+            <a:r>
+              <a:rPr lang="en-US" sz="1400" dirty="0" smtClean="0">
+                <a:solidFill>
+                  <a:schemeClr val="bg2">
+                    <a:lumMod val="50000"/>
+                  </a:schemeClr>
+                </a:solidFill>
+              </a:rPr>
+              <a:t>Low</a:t>
+            </a:r>
+            <a:endParaRPr lang="en-US" sz="1400" dirty="0">
+              <a:solidFill>
+                <a:schemeClr val="bg2">
+                  <a:lumMod val="50000"/>
+                </a:schemeClr>
+              </a:solidFill>
+            </a:endParaRPr>
+          </a:p>
+        </p:txBody>
+      </p:sp>
+      <p:sp>
+        <p:nvSpPr>
+          <p:cNvPr id="82" name="TextBox 81"/>
+          <p:cNvSpPr txBox="1"/>
+          <p:nvPr/>
+        </p:nvSpPr>
+        <p:spPr>
+          <a:xfrm>
+            <a:off x="10998988" y="2426753"/>
+            <a:ext cx="518091" cy="307777"/>
+          </a:xfrm>
+          <a:prstGeom prst="rect">
+            <a:avLst/>
+          </a:prstGeom>
+          <a:noFill/>
+        </p:spPr>
+        <p:txBody>
+          <a:bodyPr wrap="none" rtlCol="0">
+            <a:spAutoFit/>
+          </a:bodyPr>
+          <a:lstStyle/>
+          <a:p>
+            <a:r>
+              <a:rPr lang="en-US" sz="1400" dirty="0" smtClean="0">
+                <a:solidFill>
+                  <a:schemeClr val="bg2">
+                    <a:lumMod val="50000"/>
+                  </a:schemeClr>
+                </a:solidFill>
+              </a:rPr>
+              <a:t>High</a:t>
+            </a:r>
+            <a:endParaRPr lang="en-US" sz="1400" dirty="0">
+              <a:solidFill>
+                <a:schemeClr val="bg2">
+                  <a:lumMod val="50000"/>
+                </a:schemeClr>
+              </a:solidFill>
+            </a:endParaRPr>
+          </a:p>
+        </p:txBody>
+      </p:sp>
+      <p:sp>
+        <p:nvSpPr>
+          <p:cNvPr id="83" name="Rounded Rectangle 82"/>
+          <p:cNvSpPr/>
+          <p:nvPr/>
+        </p:nvSpPr>
+        <p:spPr>
+          <a:xfrm>
+            <a:off x="838200" y="2965709"/>
+            <a:ext cx="11117580" cy="1491991"/>
+          </a:xfrm>
+          <a:prstGeom prst="roundRect">
+            <a:avLst>
+              <a:gd name="adj" fmla="val 0"/>
+            </a:avLst>
+          </a:prstGeom>
+          <a:noFill/>
+          <a:ln>
+            <a:solidFill>
+              <a:schemeClr val="bg2"/>
+            </a:solidFill>
+          </a:ln>
+        </p:spPr>
+        <p:style>
+          <a:lnRef idx="2">
+            <a:schemeClr val="accent1">
+              <a:shade val="50000"/>
+            </a:schemeClr>
+          </a:lnRef>
+          <a:fillRef idx="1">
+            <a:schemeClr val="accent1"/>
+          </a:fillRef>
+          <a:effectRef idx="0">
+            <a:schemeClr val="accent1"/>
+          </a:effectRef>
+          <a:fontRef idx="minor">
+            <a:schemeClr val="lt1"/>
+          </a:fontRef>
+        </p:style>
+        <p:txBody>
+          <a:bodyPr rtlCol="0" anchor="ctr"/>
+          <a:lstStyle/>
+          <a:p>
+            <a:pPr algn="ctr"/>
+            <a:endParaRPr lang="en-US"/>
+          </a:p>
+        </p:txBody>
+      </p:sp>
+      <p:sp>
+        <p:nvSpPr>
+          <p:cNvPr id="87" name="TextBox 86"/>
+          <p:cNvSpPr txBox="1"/>
+          <p:nvPr/>
+        </p:nvSpPr>
+        <p:spPr>
+          <a:xfrm>
+            <a:off x="897255" y="2960396"/>
+            <a:ext cx="3355149" cy="307777"/>
+          </a:xfrm>
+          <a:prstGeom prst="rect">
+            <a:avLst/>
+          </a:prstGeom>
+          <a:noFill/>
+        </p:spPr>
+        <p:txBody>
+          <a:bodyPr wrap="none" rtlCol="0">
+            <a:spAutoFit/>
+          </a:bodyPr>
+          <a:lstStyle/>
+          <a:p>
+            <a:r>
+              <a:rPr lang="en-US" sz="1400" dirty="0" smtClean="0">
+                <a:solidFill>
+                  <a:schemeClr val="bg2">
+                    <a:lumMod val="50000"/>
+                  </a:schemeClr>
+                </a:solidFill>
+              </a:rPr>
+              <a:t>Create Task Management app using </a:t>
+            </a:r>
+            <a:r>
+              <a:rPr lang="en-US" sz="1400" dirty="0" err="1" smtClean="0">
+                <a:solidFill>
+                  <a:schemeClr val="bg2">
+                    <a:lumMod val="50000"/>
+                  </a:schemeClr>
+                </a:solidFill>
+              </a:rPr>
+              <a:t>NodeJS</a:t>
+            </a:r>
+            <a:endParaRPr lang="en-US" sz="1400" dirty="0">
+              <a:solidFill>
+                <a:schemeClr val="bg2">
+                  <a:lumMod val="50000"/>
+                </a:schemeClr>
+              </a:solidFill>
+            </a:endParaRPr>
+          </a:p>
+        </p:txBody>
+      </p:sp>
+      <p:sp>
+        <p:nvSpPr>
+          <p:cNvPr id="88" name="TextBox 87"/>
+          <p:cNvSpPr txBox="1"/>
+          <p:nvPr/>
+        </p:nvSpPr>
+        <p:spPr>
+          <a:xfrm>
+            <a:off x="5808481" y="2960396"/>
+            <a:ext cx="1240019" cy="307777"/>
+          </a:xfrm>
+          <a:prstGeom prst="rect">
+            <a:avLst/>
+          </a:prstGeom>
+          <a:noFill/>
+        </p:spPr>
+        <p:txBody>
+          <a:bodyPr wrap="none" rtlCol="0">
+            <a:spAutoFit/>
+          </a:bodyPr>
+          <a:lstStyle/>
+          <a:p>
+            <a:r>
+              <a:rPr lang="en-US" sz="1400" smtClean="0">
+                <a:solidFill>
+                  <a:schemeClr val="bg2">
+                    <a:lumMod val="50000"/>
+                  </a:schemeClr>
+                </a:solidFill>
+              </a:rPr>
+              <a:t>Tomohiro Sato</a:t>
+            </a:r>
+            <a:endParaRPr lang="en-US" sz="1400" dirty="0">
+              <a:solidFill>
+                <a:schemeClr val="bg2">
+                  <a:lumMod val="50000"/>
+                </a:schemeClr>
+              </a:solidFill>
+            </a:endParaRPr>
+          </a:p>
+        </p:txBody>
+      </p:sp>
+      <p:sp>
+        <p:nvSpPr>
+          <p:cNvPr id="89" name="TextBox 88"/>
+          <p:cNvSpPr txBox="1"/>
+          <p:nvPr/>
+        </p:nvSpPr>
+        <p:spPr>
+          <a:xfrm>
+            <a:off x="10998988" y="2957534"/>
+            <a:ext cx="518091" cy="307777"/>
+          </a:xfrm>
+          <a:prstGeom prst="rect">
+            <a:avLst/>
+          </a:prstGeom>
+          <a:noFill/>
+        </p:spPr>
+        <p:txBody>
+          <a:bodyPr wrap="none" rtlCol="0">
+            <a:spAutoFit/>
+          </a:bodyPr>
+          <a:lstStyle/>
+          <a:p>
+            <a:r>
+              <a:rPr lang="en-US" sz="1400" smtClean="0">
+                <a:solidFill>
+                  <a:schemeClr val="bg2">
+                    <a:lumMod val="50000"/>
+                  </a:schemeClr>
+                </a:solidFill>
+              </a:rPr>
+              <a:t>High</a:t>
+            </a:r>
+            <a:endParaRPr lang="en-US" sz="1400" dirty="0">
+              <a:solidFill>
+                <a:schemeClr val="bg2">
+                  <a:lumMod val="50000"/>
+                </a:schemeClr>
+              </a:solidFill>
+            </a:endParaRPr>
+          </a:p>
+        </p:txBody>
+      </p:sp>
+      <p:sp>
+        <p:nvSpPr>
+          <p:cNvPr id="90" name="TextBox 89"/>
+          <p:cNvSpPr txBox="1"/>
+          <p:nvPr/>
+        </p:nvSpPr>
+        <p:spPr>
+          <a:xfrm>
+            <a:off x="7300429" y="2953111"/>
+            <a:ext cx="436338" cy="307777"/>
+          </a:xfrm>
+          <a:prstGeom prst="rect">
+            <a:avLst/>
+          </a:prstGeom>
+          <a:noFill/>
+        </p:spPr>
+        <p:txBody>
+          <a:bodyPr wrap="none" rtlCol="0">
+            <a:spAutoFit/>
+          </a:bodyPr>
+          <a:lstStyle/>
+          <a:p>
+            <a:r>
+              <a:rPr lang="en-US" sz="1400" dirty="0" smtClean="0">
+                <a:solidFill>
+                  <a:schemeClr val="bg2">
+                    <a:lumMod val="50000"/>
+                  </a:schemeClr>
+                </a:solidFill>
+              </a:rPr>
+              <a:t>4/4</a:t>
+            </a:r>
+            <a:endParaRPr lang="en-US" sz="1400" dirty="0">
+              <a:solidFill>
+                <a:schemeClr val="bg2">
+                  <a:lumMod val="50000"/>
+                </a:schemeClr>
+              </a:solidFill>
+            </a:endParaRPr>
+          </a:p>
+        </p:txBody>
+      </p:sp>
+      <p:cxnSp>
+        <p:nvCxnSpPr>
+          <p:cNvPr id="94" name="Straight Connector 93"/>
+          <p:cNvCxnSpPr/>
+          <p:nvPr/>
+        </p:nvCxnSpPr>
+        <p:spPr>
+          <a:xfrm>
+            <a:off x="838200" y="2953111"/>
+            <a:ext cx="11117580" cy="0"/>
+          </a:xfrm>
+          <a:prstGeom prst="line">
+            <a:avLst/>
+          </a:prstGeom>
+          <a:ln w="19050">
+            <a:solidFill>
+              <a:schemeClr val="accent5"/>
+            </a:solidFill>
+          </a:ln>
+        </p:spPr>
+        <p:style>
+          <a:lnRef idx="2">
+            <a:schemeClr val="accent3"/>
+          </a:lnRef>
+          <a:fillRef idx="0">
+            <a:schemeClr val="accent3"/>
+          </a:fillRef>
+          <a:effectRef idx="1">
+            <a:schemeClr val="accent3"/>
+          </a:effectRef>
+          <a:fontRef idx="minor">
+            <a:schemeClr val="tx1"/>
+          </a:fontRef>
+        </p:style>
+      </p:cxnSp>
+      <p:sp>
+        <p:nvSpPr>
+          <p:cNvPr id="106" name="TextBox 105"/>
+          <p:cNvSpPr txBox="1"/>
+          <p:nvPr/>
+        </p:nvSpPr>
+        <p:spPr>
+          <a:xfrm>
+            <a:off x="6803081" y="697230"/>
+            <a:ext cx="933686" cy="523220"/>
+          </a:xfrm>
+          <a:prstGeom prst="rect">
+            <a:avLst/>
+          </a:prstGeom>
+          <a:noFill/>
+        </p:spPr>
+        <p:txBody>
+          <a:bodyPr wrap="square" rtlCol="0">
+            <a:spAutoFit/>
+          </a:bodyPr>
+          <a:lstStyle/>
+          <a:p>
+            <a:r>
+              <a:rPr lang="en-US" altLang="ja-JP" sz="1400" smtClean="0">
+                <a:solidFill>
+                  <a:schemeClr val="bg2">
+                    <a:lumMod val="50000"/>
+                  </a:schemeClr>
+                </a:solidFill>
+              </a:rPr>
+              <a:t>Use my </a:t>
+            </a:r>
+            <a:r>
+              <a:rPr lang="en-US" altLang="ja-JP" sz="1400" dirty="0" err="1" smtClean="0">
+                <a:solidFill>
+                  <a:schemeClr val="bg2">
+                    <a:lumMod val="50000"/>
+                  </a:schemeClr>
+                </a:solidFill>
+              </a:rPr>
+              <a:t>todo</a:t>
+            </a:r>
+            <a:r>
+              <a:rPr lang="en-US" altLang="ja-JP" sz="1400" dirty="0" smtClean="0">
+                <a:solidFill>
+                  <a:schemeClr val="bg2">
+                    <a:lumMod val="50000"/>
+                  </a:schemeClr>
+                </a:solidFill>
+              </a:rPr>
+              <a:t> list</a:t>
+            </a:r>
+            <a:endParaRPr lang="en-US" sz="1400" dirty="0">
+              <a:solidFill>
+                <a:schemeClr val="bg2">
+                  <a:lumMod val="50000"/>
+                </a:schemeClr>
+              </a:solidFill>
+            </a:endParaRPr>
+          </a:p>
+        </p:txBody>
+      </p:sp>
+      <p:sp>
+        <p:nvSpPr>
+          <p:cNvPr id="107" name="TextBox 106"/>
+          <p:cNvSpPr txBox="1"/>
+          <p:nvPr/>
+        </p:nvSpPr>
+        <p:spPr>
+          <a:xfrm>
+            <a:off x="10821720" y="697230"/>
+            <a:ext cx="1045597" cy="738664"/>
+          </a:xfrm>
+          <a:prstGeom prst="rect">
+            <a:avLst/>
+          </a:prstGeom>
+          <a:noFill/>
+        </p:spPr>
+        <p:txBody>
+          <a:bodyPr wrap="square" rtlCol="0">
+            <a:spAutoFit/>
+          </a:bodyPr>
+          <a:lstStyle/>
+          <a:p>
+            <a:r>
+              <a:rPr lang="en-US" sz="1400" dirty="0" smtClean="0">
+                <a:solidFill>
+                  <a:schemeClr val="bg2">
+                    <a:lumMod val="50000"/>
+                  </a:schemeClr>
+                </a:solidFill>
+              </a:rPr>
+              <a:t>Observe the evening tidy-up</a:t>
+            </a:r>
+            <a:endParaRPr lang="en-US" sz="1400" dirty="0">
+              <a:solidFill>
+                <a:schemeClr val="bg2">
+                  <a:lumMod val="50000"/>
+                </a:schemeClr>
+              </a:solidFill>
+            </a:endParaRPr>
+          </a:p>
+        </p:txBody>
+      </p:sp>
+    </p:spTree>
+    <p:extLst>
+      <p:ext uri="{BB962C8B-B14F-4D97-AF65-F5344CB8AC3E}">
+        <p14:creationId xmlns:p14="http://schemas.microsoft.com/office/powerpoint/2010/main" val="1005183293"/>
+      </p:ext>
+    </p:extLst>
+  </p:cSld>
+  <p:clrMapOvr>
+    <a:masterClrMapping/>
+  </p:clrMapOvr>
+  <p:timing>
+    <p:tnLst>
+      <p:par>
+        <p:cTn id="1" dur="indefinite" restart="never" nodeType="tmRoot"/>
+      </p:par>
+    </p:tnLst>
+  </p:timing>
 </p:sld>
 </file>
 
